--- a/docs/diagrams/ListSequenceDiagram_2.pptx
+++ b/docs/diagrams/ListSequenceDiagram_2.pptx
@@ -109,7 +109,7 @@
   </p:defaultTextStyle>
   <p:extLst>
     <p:ext uri="{EFAFB233-063F-42B5-8137-9DF3F51BA10A}">
-      <p15:sldGuideLst xmlns:p15="http://schemas.microsoft.com/office/powerpoint/2012/main" xmlns="">
+      <p15:sldGuideLst xmlns="" xmlns:p15="http://schemas.microsoft.com/office/powerpoint/2012/main">
         <p15:guide id="1" orient="horz" pos="1488">
           <p15:clr>
             <a:srgbClr val="A4A3A4"/>
@@ -212,7 +212,7 @@
           <a:p>
             <a:fld id="{F5CC4B3F-88C1-4FFA-B1B6-F41C21DC6924}" type="datetimeFigureOut">
               <a:rPr lang="en-US" smtClean="0"/>
-              <a:t>11/10/2018</a:t>
+              <a:t>11/12/2018</a:t>
             </a:fld>
             <a:endParaRPr lang="en-US"/>
           </a:p>
@@ -658,7 +658,7 @@
           <a:p>
             <a:fld id="{78C97017-6FC3-485B-9764-EAC9E56C1D49}" type="datetimeFigureOut">
               <a:rPr lang="en-US" smtClean="0"/>
-              <a:t>11/10/2018</a:t>
+              <a:t>11/12/2018</a:t>
             </a:fld>
             <a:endParaRPr lang="en-US"/>
           </a:p>
@@ -826,7 +826,7 @@
           <a:p>
             <a:fld id="{78C97017-6FC3-485B-9764-EAC9E56C1D49}" type="datetimeFigureOut">
               <a:rPr lang="en-US" smtClean="0"/>
-              <a:t>11/10/2018</a:t>
+              <a:t>11/12/2018</a:t>
             </a:fld>
             <a:endParaRPr lang="en-US"/>
           </a:p>
@@ -1004,7 +1004,7 @@
           <a:p>
             <a:fld id="{78C97017-6FC3-485B-9764-EAC9E56C1D49}" type="datetimeFigureOut">
               <a:rPr lang="en-US" smtClean="0"/>
-              <a:t>11/10/2018</a:t>
+              <a:t>11/12/2018</a:t>
             </a:fld>
             <a:endParaRPr lang="en-US"/>
           </a:p>
@@ -1172,7 +1172,7 @@
           <a:p>
             <a:fld id="{78C97017-6FC3-485B-9764-EAC9E56C1D49}" type="datetimeFigureOut">
               <a:rPr lang="en-US" smtClean="0"/>
-              <a:t>11/10/2018</a:t>
+              <a:t>11/12/2018</a:t>
             </a:fld>
             <a:endParaRPr lang="en-US"/>
           </a:p>
@@ -1417,7 +1417,7 @@
           <a:p>
             <a:fld id="{78C97017-6FC3-485B-9764-EAC9E56C1D49}" type="datetimeFigureOut">
               <a:rPr lang="en-US" smtClean="0"/>
-              <a:t>11/10/2018</a:t>
+              <a:t>11/12/2018</a:t>
             </a:fld>
             <a:endParaRPr lang="en-US"/>
           </a:p>
@@ -1702,7 +1702,7 @@
           <a:p>
             <a:fld id="{78C97017-6FC3-485B-9764-EAC9E56C1D49}" type="datetimeFigureOut">
               <a:rPr lang="en-US" smtClean="0"/>
-              <a:t>11/10/2018</a:t>
+              <a:t>11/12/2018</a:t>
             </a:fld>
             <a:endParaRPr lang="en-US"/>
           </a:p>
@@ -2121,7 +2121,7 @@
           <a:p>
             <a:fld id="{78C97017-6FC3-485B-9764-EAC9E56C1D49}" type="datetimeFigureOut">
               <a:rPr lang="en-US" smtClean="0"/>
-              <a:t>11/10/2018</a:t>
+              <a:t>11/12/2018</a:t>
             </a:fld>
             <a:endParaRPr lang="en-US"/>
           </a:p>
@@ -2238,7 +2238,7 @@
           <a:p>
             <a:fld id="{78C97017-6FC3-485B-9764-EAC9E56C1D49}" type="datetimeFigureOut">
               <a:rPr lang="en-US" smtClean="0"/>
-              <a:t>11/10/2018</a:t>
+              <a:t>11/12/2018</a:t>
             </a:fld>
             <a:endParaRPr lang="en-US"/>
           </a:p>
@@ -2333,7 +2333,7 @@
           <a:p>
             <a:fld id="{78C97017-6FC3-485B-9764-EAC9E56C1D49}" type="datetimeFigureOut">
               <a:rPr lang="en-US" smtClean="0"/>
-              <a:t>11/10/2018</a:t>
+              <a:t>11/12/2018</a:t>
             </a:fld>
             <a:endParaRPr lang="en-US"/>
           </a:p>
@@ -2608,7 +2608,7 @@
           <a:p>
             <a:fld id="{78C97017-6FC3-485B-9764-EAC9E56C1D49}" type="datetimeFigureOut">
               <a:rPr lang="en-US" smtClean="0"/>
-              <a:t>11/10/2018</a:t>
+              <a:t>11/12/2018</a:t>
             </a:fld>
             <a:endParaRPr lang="en-US"/>
           </a:p>
@@ -2860,7 +2860,7 @@
           <a:p>
             <a:fld id="{78C97017-6FC3-485B-9764-EAC9E56C1D49}" type="datetimeFigureOut">
               <a:rPr lang="en-US" smtClean="0"/>
-              <a:t>11/10/2018</a:t>
+              <a:t>11/12/2018</a:t>
             </a:fld>
             <a:endParaRPr lang="en-US"/>
           </a:p>
@@ -3071,7 +3071,7 @@
           <a:p>
             <a:fld id="{78C97017-6FC3-485B-9764-EAC9E56C1D49}" type="datetimeFigureOut">
               <a:rPr lang="en-US" smtClean="0"/>
-              <a:t>11/10/2018</a:t>
+              <a:t>11/12/2018</a:t>
             </a:fld>
             <a:endParaRPr lang="en-US"/>
           </a:p>
@@ -4038,23 +4038,7 @@
                   <a:srgbClr val="0070C0"/>
                 </a:solidFill>
               </a:rPr>
-              <a:t>(“</a:t>
-            </a:r>
-            <a:r>
-              <a:rPr lang="en-US" sz="1400" dirty="0" smtClean="0">
-                <a:solidFill>
-                  <a:srgbClr val="0070C0"/>
-                </a:solidFill>
-              </a:rPr>
-              <a:t>list</a:t>
-            </a:r>
-            <a:r>
-              <a:rPr lang="en-US" sz="1400" dirty="0" smtClean="0">
-                <a:solidFill>
-                  <a:srgbClr val="0070C0"/>
-                </a:solidFill>
-              </a:rPr>
-              <a:t>”)</a:t>
+              <a:t>(“list”)</a:t>
             </a:r>
             <a:endParaRPr lang="en-US" sz="1400" dirty="0">
               <a:solidFill>
@@ -4135,11 +4119,7 @@
           <a:p>
             <a:r>
               <a:rPr lang="en-US" dirty="0" smtClean="0"/>
-              <a:t>parse</a:t>
-            </a:r>
-            <a:r>
-              <a:rPr lang="en-US" dirty="0" smtClean="0"/>
-              <a:t>(“”)</a:t>
+              <a:t>parse(“”)</a:t>
             </a:r>
             <a:endParaRPr lang="en-US" dirty="0"/>
           </a:p>
@@ -4349,17 +4329,7 @@
                   </a:schemeClr>
                 </a:solidFill>
               </a:rPr>
-              <a:t>listTaken</a:t>
-            </a:r>
-            <a:r>
-              <a:rPr lang="en-US" sz="1200" dirty="0" err="1" smtClean="0">
-                <a:solidFill>
-                  <a:schemeClr val="accent4">
-                    <a:lumMod val="75000"/>
-                  </a:schemeClr>
-                </a:solidFill>
-              </a:rPr>
-              <a:t>Modules</a:t>
+              <a:t>listTakenModules</a:t>
             </a:r>
             <a:endParaRPr lang="en-US" sz="1200" dirty="0" smtClean="0">
               <a:solidFill>
@@ -4378,17 +4348,7 @@
                   </a:schemeClr>
                 </a:solidFill>
               </a:rPr>
-              <a:t>All</a:t>
-            </a:r>
-            <a:r>
-              <a:rPr lang="en-US" sz="1200" dirty="0" smtClean="0">
-                <a:solidFill>
-                  <a:schemeClr val="accent4">
-                    <a:lumMod val="75000"/>
-                  </a:schemeClr>
-                </a:solidFill>
-              </a:rPr>
-              <a:t>(</a:t>
+              <a:t>All(</a:t>
             </a:r>
             <a:r>
               <a:rPr lang="en-US" sz="1200" dirty="0" smtClean="0">
@@ -4441,11 +4401,7 @@
             </a:r>
             <a:r>
               <a:rPr lang="en-US" dirty="0" smtClean="0"/>
-              <a:t>(“</a:t>
-            </a:r>
-            <a:r>
-              <a:rPr lang="en-US" dirty="0" smtClean="0"/>
-              <a:t>list”)</a:t>
+              <a:t>(“list”)</a:t>
             </a:r>
             <a:endParaRPr lang="en-US" dirty="0"/>
           </a:p>
@@ -4894,7 +4850,7 @@
           <p:cNvPr id="66" name="Straight Arrow Connector 65">
             <a:extLst>
               <a:ext uri="{FF2B5EF4-FFF2-40B4-BE49-F238E27FC236}">
-                <a16:creationId xmlns:a16="http://schemas.microsoft.com/office/drawing/2014/main" xmlns="" id="{39916E2E-195A-4DC8-B025-B05FA87E6796}"/>
+                <a16:creationId xmlns="" xmlns:a16="http://schemas.microsoft.com/office/drawing/2014/main" id="{39916E2E-195A-4DC8-B025-B05FA87E6796}"/>
               </a:ext>
             </a:extLst>
           </p:cNvPr>
@@ -4938,7 +4894,7 @@
           <p:cNvPr id="67" name="Straight Arrow Connector 66">
             <a:extLst>
               <a:ext uri="{FF2B5EF4-FFF2-40B4-BE49-F238E27FC236}">
-                <a16:creationId xmlns:a16="http://schemas.microsoft.com/office/drawing/2014/main" xmlns="" id="{D881596E-177C-4FDC-8E60-CAB90B3D5FAB}"/>
+                <a16:creationId xmlns="" xmlns:a16="http://schemas.microsoft.com/office/drawing/2014/main" id="{D881596E-177C-4FDC-8E60-CAB90B3D5FAB}"/>
               </a:ext>
             </a:extLst>
           </p:cNvPr>
@@ -4982,7 +4938,7 @@
           <p:cNvPr id="69" name="Straight Arrow Connector 68">
             <a:extLst>
               <a:ext uri="{FF2B5EF4-FFF2-40B4-BE49-F238E27FC236}">
-                <a16:creationId xmlns:a16="http://schemas.microsoft.com/office/drawing/2014/main" xmlns="" id="{7C9F21BC-13A9-471F-825A-2621FD36355F}"/>
+                <a16:creationId xmlns="" xmlns:a16="http://schemas.microsoft.com/office/drawing/2014/main" id="{7C9F21BC-13A9-471F-825A-2621FD36355F}"/>
               </a:ext>
             </a:extLst>
           </p:cNvPr>
@@ -5028,7 +4984,7 @@
           <p:cNvPr id="89" name="Straight Connector 88">
             <a:extLst>
               <a:ext uri="{FF2B5EF4-FFF2-40B4-BE49-F238E27FC236}">
-                <a16:creationId xmlns:a16="http://schemas.microsoft.com/office/drawing/2014/main" xmlns="" id="{E4E1C8CA-49DF-45D8-80A5-D5C8282EE927}"/>
+                <a16:creationId xmlns="" xmlns:a16="http://schemas.microsoft.com/office/drawing/2014/main" id="{E4E1C8CA-49DF-45D8-80A5-D5C8282EE927}"/>
               </a:ext>
             </a:extLst>
           </p:cNvPr>
@@ -5190,7 +5146,7 @@
           <p:cNvPr id="60" name="Straight Arrow Connector 59">
             <a:extLst>
               <a:ext uri="{FF2B5EF4-FFF2-40B4-BE49-F238E27FC236}">
-                <a16:creationId xmlns:a16="http://schemas.microsoft.com/office/drawing/2014/main" xmlns="" id="{7C9F21BC-13A9-471F-825A-2621FD36355F}"/>
+                <a16:creationId xmlns="" xmlns:a16="http://schemas.microsoft.com/office/drawing/2014/main" id="{7C9F21BC-13A9-471F-825A-2621FD36355F}"/>
               </a:ext>
             </a:extLst>
           </p:cNvPr>
@@ -5236,7 +5192,7 @@
           <p:cNvPr id="63" name="Straight Arrow Connector 62">
             <a:extLst>
               <a:ext uri="{FF2B5EF4-FFF2-40B4-BE49-F238E27FC236}">
-                <a16:creationId xmlns:a16="http://schemas.microsoft.com/office/drawing/2014/main" xmlns="" id="{7C9F21BC-13A9-471F-825A-2621FD36355F}"/>
+                <a16:creationId xmlns="" xmlns:a16="http://schemas.microsoft.com/office/drawing/2014/main" id="{7C9F21BC-13A9-471F-825A-2621FD36355F}"/>
               </a:ext>
             </a:extLst>
           </p:cNvPr>
@@ -5490,7 +5446,7 @@
           <p:cNvPr id="59" name="Straight Arrow Connector 58">
             <a:extLst>
               <a:ext uri="{FF2B5EF4-FFF2-40B4-BE49-F238E27FC236}">
-                <a16:creationId xmlns:a16="http://schemas.microsoft.com/office/drawing/2014/main" xmlns="" id="{D881596E-177C-4FDC-8E60-CAB90B3D5FAB}"/>
+                <a16:creationId xmlns="" xmlns:a16="http://schemas.microsoft.com/office/drawing/2014/main" id="{D881596E-177C-4FDC-8E60-CAB90B3D5FAB}"/>
               </a:ext>
             </a:extLst>
           </p:cNvPr>
@@ -5843,7 +5799,7 @@
           <p:cNvPr id="78" name="Straight Arrow Connector 77">
             <a:extLst>
               <a:ext uri="{FF2B5EF4-FFF2-40B4-BE49-F238E27FC236}">
-                <a16:creationId xmlns:a16="http://schemas.microsoft.com/office/drawing/2014/main" xmlns="" id="{7C9F21BC-13A9-471F-825A-2621FD36355F}"/>
+                <a16:creationId xmlns="" xmlns:a16="http://schemas.microsoft.com/office/drawing/2014/main" id="{7C9F21BC-13A9-471F-825A-2621FD36355F}"/>
               </a:ext>
             </a:extLst>
           </p:cNvPr>
@@ -5925,7 +5881,17 @@
                   </a:schemeClr>
                 </a:solidFill>
               </a:rPr>
-              <a:t>listTaken</a:t>
+              <a:t>ge</a:t>
+            </a:r>
+            <a:r>
+              <a:rPr lang="en-US" sz="1200" dirty="0" err="1" smtClean="0">
+                <a:solidFill>
+                  <a:schemeClr val="accent4">
+                    <a:lumMod val="75000"/>
+                  </a:schemeClr>
+                </a:solidFill>
+              </a:rPr>
+              <a:t>tTaken</a:t>
             </a:r>
             <a:endParaRPr lang="en-US" sz="1200" dirty="0" smtClean="0">
               <a:solidFill>
@@ -6118,7 +6084,7 @@
           <p:cNvPr id="100" name="Straight Arrow Connector 99">
             <a:extLst>
               <a:ext uri="{FF2B5EF4-FFF2-40B4-BE49-F238E27FC236}">
-                <a16:creationId xmlns:a16="http://schemas.microsoft.com/office/drawing/2014/main" xmlns="" id="{7C9F21BC-13A9-471F-825A-2621FD36355F}"/>
+                <a16:creationId xmlns="" xmlns:a16="http://schemas.microsoft.com/office/drawing/2014/main" id="{7C9F21BC-13A9-471F-825A-2621FD36355F}"/>
               </a:ext>
             </a:extLst>
           </p:cNvPr>
@@ -6167,8 +6133,8 @@
         </p:nvSpPr>
         <p:spPr>
           <a:xfrm>
-            <a:off x="9637272" y="4068875"/>
-            <a:ext cx="1066799" cy="369332"/>
+            <a:off x="9522645" y="4038630"/>
+            <a:ext cx="1220021" cy="369332"/>
           </a:xfrm>
           <a:prstGeom prst="rect">
             <a:avLst/>
@@ -6201,7 +6167,7 @@
                   <a:srgbClr val="7030A0"/>
                 </a:solidFill>
               </a:rPr>
-              <a:t>updateTaken</a:t>
+              <a:t>setTakenModules</a:t>
             </a:r>
             <a:endParaRPr lang="en-US" sz="1200" dirty="0" smtClean="0">
               <a:solidFill>
@@ -6216,7 +6182,7 @@
                   <a:srgbClr val="7030A0"/>
                 </a:solidFill>
               </a:rPr>
-              <a:t>Modules()</a:t>
+              <a:t>(modules)</a:t>
             </a:r>
             <a:endParaRPr lang="en-US" sz="1200" dirty="0">
               <a:solidFill>

--- a/docs/diagrams/ListSequenceDiagram_2.pptx
+++ b/docs/diagrams/ListSequenceDiagram_2.pptx
@@ -109,7 +109,7 @@
   </p:defaultTextStyle>
   <p:extLst>
     <p:ext uri="{EFAFB233-063F-42B5-8137-9DF3F51BA10A}">
-      <p15:sldGuideLst xmlns="" xmlns:p15="http://schemas.microsoft.com/office/powerpoint/2012/main">
+      <p15:sldGuideLst xmlns:p15="http://schemas.microsoft.com/office/powerpoint/2012/main" xmlns="">
         <p15:guide id="1" orient="horz" pos="1488">
           <p15:clr>
             <a:srgbClr val="A4A3A4"/>
@@ -3973,7 +3973,7 @@
         </p:nvCxnSpPr>
         <p:spPr>
           <a:xfrm>
-            <a:off x="509491" y="1277359"/>
+            <a:off x="498077" y="1314072"/>
             <a:ext cx="1119851" cy="0"/>
           </a:xfrm>
           <a:prstGeom prst="straightConnector1">
@@ -4669,7 +4669,7 @@
         <p:spPr>
           <a:xfrm>
             <a:off x="7943607" y="4185804"/>
-            <a:ext cx="168896" cy="538596"/>
+            <a:ext cx="168896" cy="544922"/>
           </a:xfrm>
           <a:prstGeom prst="rect">
             <a:avLst/>
@@ -4850,7 +4850,7 @@
           <p:cNvPr id="66" name="Straight Arrow Connector 65">
             <a:extLst>
               <a:ext uri="{FF2B5EF4-FFF2-40B4-BE49-F238E27FC236}">
-                <a16:creationId xmlns="" xmlns:a16="http://schemas.microsoft.com/office/drawing/2014/main" id="{39916E2E-195A-4DC8-B025-B05FA87E6796}"/>
+                <a16:creationId xmlns:a16="http://schemas.microsoft.com/office/drawing/2014/main" xmlns="" id="{39916E2E-195A-4DC8-B025-B05FA87E6796}"/>
               </a:ext>
             </a:extLst>
           </p:cNvPr>
@@ -4894,7 +4894,7 @@
           <p:cNvPr id="67" name="Straight Arrow Connector 66">
             <a:extLst>
               <a:ext uri="{FF2B5EF4-FFF2-40B4-BE49-F238E27FC236}">
-                <a16:creationId xmlns="" xmlns:a16="http://schemas.microsoft.com/office/drawing/2014/main" id="{D881596E-177C-4FDC-8E60-CAB90B3D5FAB}"/>
+                <a16:creationId xmlns:a16="http://schemas.microsoft.com/office/drawing/2014/main" xmlns="" id="{D881596E-177C-4FDC-8E60-CAB90B3D5FAB}"/>
               </a:ext>
             </a:extLst>
           </p:cNvPr>
@@ -4905,8 +4905,8 @@
         </p:nvCxnSpPr>
         <p:spPr>
           <a:xfrm>
-            <a:off x="1798636" y="1379278"/>
-            <a:ext cx="2256705" cy="1"/>
+            <a:off x="1770328" y="1371600"/>
+            <a:ext cx="2318404" cy="7406"/>
           </a:xfrm>
           <a:prstGeom prst="straightConnector1">
             <a:avLst/>
@@ -4938,7 +4938,7 @@
           <p:cNvPr id="69" name="Straight Arrow Connector 68">
             <a:extLst>
               <a:ext uri="{FF2B5EF4-FFF2-40B4-BE49-F238E27FC236}">
-                <a16:creationId xmlns="" xmlns:a16="http://schemas.microsoft.com/office/drawing/2014/main" id="{7C9F21BC-13A9-471F-825A-2621FD36355F}"/>
+                <a16:creationId xmlns:a16="http://schemas.microsoft.com/office/drawing/2014/main" xmlns="" id="{7C9F21BC-13A9-471F-825A-2621FD36355F}"/>
               </a:ext>
             </a:extLst>
           </p:cNvPr>
@@ -4984,7 +4984,7 @@
           <p:cNvPr id="89" name="Straight Connector 88">
             <a:extLst>
               <a:ext uri="{FF2B5EF4-FFF2-40B4-BE49-F238E27FC236}">
-                <a16:creationId xmlns="" xmlns:a16="http://schemas.microsoft.com/office/drawing/2014/main" id="{E4E1C8CA-49DF-45D8-80A5-D5C8282EE927}"/>
+                <a16:creationId xmlns:a16="http://schemas.microsoft.com/office/drawing/2014/main" xmlns="" id="{E4E1C8CA-49DF-45D8-80A5-D5C8282EE927}"/>
               </a:ext>
             </a:extLst>
           </p:cNvPr>
@@ -5113,8 +5113,8 @@
         </p:nvCxnSpPr>
         <p:spPr>
           <a:xfrm>
-            <a:off x="8100071" y="4263421"/>
-            <a:ext cx="1408398" cy="0"/>
+            <a:off x="8110375" y="4263421"/>
+            <a:ext cx="1412270" cy="0"/>
           </a:xfrm>
           <a:prstGeom prst="straightConnector1">
             <a:avLst/>
@@ -5146,7 +5146,7 @@
           <p:cNvPr id="60" name="Straight Arrow Connector 59">
             <a:extLst>
               <a:ext uri="{FF2B5EF4-FFF2-40B4-BE49-F238E27FC236}">
-                <a16:creationId xmlns="" xmlns:a16="http://schemas.microsoft.com/office/drawing/2014/main" id="{7C9F21BC-13A9-471F-825A-2621FD36355F}"/>
+                <a16:creationId xmlns:a16="http://schemas.microsoft.com/office/drawing/2014/main" xmlns="" id="{7C9F21BC-13A9-471F-825A-2621FD36355F}"/>
               </a:ext>
             </a:extLst>
           </p:cNvPr>
@@ -5192,20 +5192,19 @@
           <p:cNvPr id="63" name="Straight Arrow Connector 62">
             <a:extLst>
               <a:ext uri="{FF2B5EF4-FFF2-40B4-BE49-F238E27FC236}">
-                <a16:creationId xmlns="" xmlns:a16="http://schemas.microsoft.com/office/drawing/2014/main" id="{7C9F21BC-13A9-471F-825A-2621FD36355F}"/>
+                <a16:creationId xmlns:a16="http://schemas.microsoft.com/office/drawing/2014/main" xmlns="" id="{7C9F21BC-13A9-471F-825A-2621FD36355F}"/>
               </a:ext>
             </a:extLst>
           </p:cNvPr>
           <p:cNvCxnSpPr>
             <a:cxnSpLocks/>
-            <a:endCxn id="49" idx="2"/>
           </p:cNvCxnSpPr>
           <p:nvPr/>
         </p:nvCxnSpPr>
         <p:spPr>
           <a:xfrm>
-            <a:off x="6719794" y="4724400"/>
-            <a:ext cx="1308261" cy="0"/>
+            <a:off x="6728716" y="4721237"/>
+            <a:ext cx="1263848" cy="6326"/>
           </a:xfrm>
           <a:prstGeom prst="straightConnector1">
             <a:avLst/>
@@ -5446,7 +5445,7 @@
           <p:cNvPr id="59" name="Straight Arrow Connector 58">
             <a:extLst>
               <a:ext uri="{FF2B5EF4-FFF2-40B4-BE49-F238E27FC236}">
-                <a16:creationId xmlns="" xmlns:a16="http://schemas.microsoft.com/office/drawing/2014/main" id="{D881596E-177C-4FDC-8E60-CAB90B3D5FAB}"/>
+                <a16:creationId xmlns:a16="http://schemas.microsoft.com/office/drawing/2014/main" xmlns="" id="{D881596E-177C-4FDC-8E60-CAB90B3D5FAB}"/>
               </a:ext>
             </a:extLst>
           </p:cNvPr>
@@ -5524,16 +5523,291 @@
           </a:p>
         </p:txBody>
       </p:sp>
-      <p:sp>
-        <p:nvSpPr>
-          <p:cNvPr id="62" name="TextBox 61"/>
+      <p:cxnSp>
+        <p:nvCxnSpPr>
+          <p:cNvPr id="64" name="Straight Arrow Connector 63"/>
+          <p:cNvCxnSpPr>
+            <a:cxnSpLocks/>
+            <a:endCxn id="58" idx="2"/>
+          </p:cNvCxnSpPr>
+          <p:nvPr/>
+        </p:nvCxnSpPr>
+        <p:spPr>
+          <a:xfrm>
+            <a:off x="1770328" y="5562600"/>
+            <a:ext cx="4877727" cy="0"/>
+          </a:xfrm>
+          <a:prstGeom prst="straightConnector1">
+            <a:avLst/>
+          </a:prstGeom>
+          <a:ln w="19050">
+            <a:solidFill>
+              <a:srgbClr val="0070C0"/>
+            </a:solidFill>
+            <a:prstDash val="sysDash"/>
+            <a:headEnd type="arrow" w="med" len="med"/>
+            <a:tailEnd type="none" w="med" len="med"/>
+          </a:ln>
+        </p:spPr>
+        <p:style>
+          <a:lnRef idx="1">
+            <a:schemeClr val="accent1"/>
+          </a:lnRef>
+          <a:fillRef idx="0">
+            <a:schemeClr val="accent1"/>
+          </a:fillRef>
+          <a:effectRef idx="0">
+            <a:schemeClr val="accent1"/>
+          </a:effectRef>
+          <a:fontRef idx="minor">
+            <a:schemeClr val="tx1"/>
+          </a:fontRef>
+        </p:style>
+      </p:cxnSp>
+      <p:sp>
+        <p:nvSpPr>
+          <p:cNvPr id="43" name="Rectangle 62"/>
+          <p:cNvSpPr/>
+          <p:nvPr/>
+        </p:nvSpPr>
+        <p:spPr>
+          <a:xfrm>
+            <a:off x="6151943" y="2639720"/>
+            <a:ext cx="1086774" cy="461538"/>
+          </a:xfrm>
+          <a:prstGeom prst="rect">
+            <a:avLst/>
+          </a:prstGeom>
+          <a:solidFill>
+            <a:srgbClr val="0070C0"/>
+          </a:solidFill>
+          <a:ln w="19050">
+            <a:solidFill>
+              <a:srgbClr val="0070C0"/>
+            </a:solidFill>
+          </a:ln>
+          <a:effectLst/>
+        </p:spPr>
+        <p:style>
+          <a:lnRef idx="1">
+            <a:schemeClr val="accent2"/>
+          </a:lnRef>
+          <a:fillRef idx="2">
+            <a:schemeClr val="accent2"/>
+          </a:fillRef>
+          <a:effectRef idx="1">
+            <a:schemeClr val="accent2"/>
+          </a:effectRef>
+          <a:fontRef idx="minor">
+            <a:schemeClr val="dk1"/>
+          </a:fontRef>
+        </p:style>
+        <p:txBody>
+          <a:bodyPr rtlCol="0" anchor="ctr"/>
+          <a:lstStyle/>
+          <a:p>
+            <a:pPr algn="ctr"/>
+            <a:r>
+              <a:rPr lang="en-US" sz="1600" dirty="0" smtClean="0">
+                <a:solidFill>
+                  <a:schemeClr val="bg1"/>
+                </a:solidFill>
+              </a:rPr>
+              <a:t>:List</a:t>
+            </a:r>
+          </a:p>
+          <a:p>
+            <a:pPr algn="ctr"/>
+            <a:r>
+              <a:rPr lang="en-US" sz="1600" dirty="0" smtClean="0">
+                <a:solidFill>
+                  <a:schemeClr val="bg1"/>
+                </a:solidFill>
+              </a:rPr>
+              <a:t>Command</a:t>
+            </a:r>
+            <a:endParaRPr lang="en-SG" sz="1600" dirty="0">
+              <a:solidFill>
+                <a:schemeClr val="bg1"/>
+              </a:solidFill>
+            </a:endParaRPr>
+          </a:p>
+        </p:txBody>
+      </p:sp>
+      <p:sp>
+        <p:nvSpPr>
+          <p:cNvPr id="68" name="TextBox 67"/>
           <p:cNvSpPr txBox="1"/>
           <p:nvPr/>
         </p:nvSpPr>
         <p:spPr>
           <a:xfrm>
-            <a:off x="2545988" y="3571245"/>
-            <a:ext cx="762000" cy="215444"/>
+            <a:off x="6514392" y="5562600"/>
+            <a:ext cx="258404" cy="261610"/>
+          </a:xfrm>
+          <a:prstGeom prst="rect">
+            <a:avLst/>
+          </a:prstGeom>
+          <a:noFill/>
+        </p:spPr>
+        <p:txBody>
+          <a:bodyPr wrap="none" rtlCol="0">
+            <a:spAutoFit/>
+          </a:bodyPr>
+          <a:lstStyle/>
+          <a:p>
+            <a:r>
+              <a:rPr lang="en-SG" sz="1100" dirty="0">
+                <a:solidFill>
+                  <a:srgbClr val="002060"/>
+                </a:solidFill>
+              </a:rPr>
+              <a:t>X</a:t>
+            </a:r>
+          </a:p>
+        </p:txBody>
+      </p:sp>
+      <p:sp>
+        <p:nvSpPr>
+          <p:cNvPr id="76" name="Rectangle 75"/>
+          <p:cNvSpPr/>
+          <p:nvPr/>
+        </p:nvSpPr>
+        <p:spPr>
+          <a:xfrm>
+            <a:off x="7962372" y="5181600"/>
+            <a:ext cx="168896" cy="290034"/>
+          </a:xfrm>
+          <a:prstGeom prst="rect">
+            <a:avLst/>
+          </a:prstGeom>
+          <a:solidFill>
+            <a:srgbClr val="7030A0"/>
+          </a:solidFill>
+          <a:ln>
+            <a:solidFill>
+              <a:srgbClr val="7030A0"/>
+            </a:solidFill>
+          </a:ln>
+          <a:effectLst/>
+        </p:spPr>
+        <p:style>
+          <a:lnRef idx="1">
+            <a:schemeClr val="accent3"/>
+          </a:lnRef>
+          <a:fillRef idx="2">
+            <a:schemeClr val="accent3"/>
+          </a:fillRef>
+          <a:effectRef idx="1">
+            <a:schemeClr val="accent3"/>
+          </a:effectRef>
+          <a:fontRef idx="minor">
+            <a:schemeClr val="dk1"/>
+          </a:fontRef>
+        </p:style>
+        <p:txBody>
+          <a:bodyPr rtlCol="0" anchor="ctr"/>
+          <a:lstStyle/>
+          <a:p>
+            <a:pPr algn="ctr"/>
+            <a:endParaRPr lang="en-SG" sz="1400"/>
+          </a:p>
+        </p:txBody>
+      </p:sp>
+      <p:cxnSp>
+        <p:nvCxnSpPr>
+          <p:cNvPr id="77" name="Straight Arrow Connector 76"/>
+          <p:cNvCxnSpPr>
+            <a:cxnSpLocks/>
+          </p:cNvCxnSpPr>
+          <p:nvPr/>
+        </p:nvCxnSpPr>
+        <p:spPr>
+          <a:xfrm>
+            <a:off x="6736151" y="5181600"/>
+            <a:ext cx="1233656" cy="0"/>
+          </a:xfrm>
+          <a:prstGeom prst="straightConnector1">
+            <a:avLst/>
+          </a:prstGeom>
+          <a:ln w="19050">
+            <a:solidFill>
+              <a:srgbClr val="0070C0"/>
+            </a:solidFill>
+            <a:tailEnd type="arrow"/>
+          </a:ln>
+        </p:spPr>
+        <p:style>
+          <a:lnRef idx="1">
+            <a:schemeClr val="accent1"/>
+          </a:lnRef>
+          <a:fillRef idx="0">
+            <a:schemeClr val="accent1"/>
+          </a:fillRef>
+          <a:effectRef idx="0">
+            <a:schemeClr val="accent1"/>
+          </a:effectRef>
+          <a:fontRef idx="minor">
+            <a:schemeClr val="tx1"/>
+          </a:fontRef>
+        </p:style>
+      </p:cxnSp>
+      <p:cxnSp>
+        <p:nvCxnSpPr>
+          <p:cNvPr id="78" name="Straight Arrow Connector 77">
+            <a:extLst>
+              <a:ext uri="{FF2B5EF4-FFF2-40B4-BE49-F238E27FC236}">
+                <a16:creationId xmlns:a16="http://schemas.microsoft.com/office/drawing/2014/main" xmlns="" id="{7C9F21BC-13A9-471F-825A-2621FD36355F}"/>
+              </a:ext>
+            </a:extLst>
+          </p:cNvPr>
+          <p:cNvCxnSpPr>
+            <a:cxnSpLocks/>
+          </p:cNvCxnSpPr>
+          <p:nvPr/>
+        </p:nvCxnSpPr>
+        <p:spPr>
+          <a:xfrm flipV="1">
+            <a:off x="6736341" y="5466579"/>
+            <a:ext cx="1299339" cy="5055"/>
+          </a:xfrm>
+          <a:prstGeom prst="straightConnector1">
+            <a:avLst/>
+          </a:prstGeom>
+          <a:ln w="19050">
+            <a:solidFill>
+              <a:srgbClr val="7030A0"/>
+            </a:solidFill>
+            <a:prstDash val="sysDash"/>
+            <a:headEnd type="arrow" w="med" len="med"/>
+            <a:tailEnd type="none" w="med" len="med"/>
+          </a:ln>
+        </p:spPr>
+        <p:style>
+          <a:lnRef idx="1">
+            <a:schemeClr val="accent1"/>
+          </a:lnRef>
+          <a:fillRef idx="0">
+            <a:schemeClr val="accent1"/>
+          </a:fillRef>
+          <a:effectRef idx="0">
+            <a:schemeClr val="accent1"/>
+          </a:effectRef>
+          <a:fontRef idx="minor">
+            <a:schemeClr val="tx1"/>
+          </a:fontRef>
+        </p:style>
+      </p:cxnSp>
+      <p:sp>
+        <p:nvSpPr>
+          <p:cNvPr id="82" name="TextBox 81"/>
+          <p:cNvSpPr txBox="1"/>
+          <p:nvPr/>
+        </p:nvSpPr>
+        <p:spPr>
+          <a:xfrm>
+            <a:off x="6514392" y="4809441"/>
+            <a:ext cx="1298078" cy="369332"/>
           </a:xfrm>
           <a:prstGeom prst="rect">
             <a:avLst/>
@@ -5558,322 +5832,6 @@
           </a:lstStyle>
           <a:p>
             <a:r>
-              <a:rPr lang="en-US" dirty="0" smtClean="0"/>
-              <a:t>l</a:t>
-            </a:r>
-            <a:endParaRPr lang="en-US" dirty="0"/>
-          </a:p>
-        </p:txBody>
-      </p:sp>
-      <p:cxnSp>
-        <p:nvCxnSpPr>
-          <p:cNvPr id="64" name="Straight Arrow Connector 63"/>
-          <p:cNvCxnSpPr>
-            <a:cxnSpLocks/>
-            <a:endCxn id="58" idx="2"/>
-          </p:cNvCxnSpPr>
-          <p:nvPr/>
-        </p:nvCxnSpPr>
-        <p:spPr>
-          <a:xfrm>
-            <a:off x="1770328" y="5562600"/>
-            <a:ext cx="4877727" cy="0"/>
-          </a:xfrm>
-          <a:prstGeom prst="straightConnector1">
-            <a:avLst/>
-          </a:prstGeom>
-          <a:ln w="19050">
-            <a:solidFill>
-              <a:srgbClr val="0070C0"/>
-            </a:solidFill>
-            <a:prstDash val="sysDash"/>
-            <a:headEnd type="arrow" w="med" len="med"/>
-            <a:tailEnd type="none" w="med" len="med"/>
-          </a:ln>
-        </p:spPr>
-        <p:style>
-          <a:lnRef idx="1">
-            <a:schemeClr val="accent1"/>
-          </a:lnRef>
-          <a:fillRef idx="0">
-            <a:schemeClr val="accent1"/>
-          </a:fillRef>
-          <a:effectRef idx="0">
-            <a:schemeClr val="accent1"/>
-          </a:effectRef>
-          <a:fontRef idx="minor">
-            <a:schemeClr val="tx1"/>
-          </a:fontRef>
-        </p:style>
-      </p:cxnSp>
-      <p:sp>
-        <p:nvSpPr>
-          <p:cNvPr id="43" name="Rectangle 62"/>
-          <p:cNvSpPr/>
-          <p:nvPr/>
-        </p:nvSpPr>
-        <p:spPr>
-          <a:xfrm>
-            <a:off x="6151943" y="2639720"/>
-            <a:ext cx="1086774" cy="461538"/>
-          </a:xfrm>
-          <a:prstGeom prst="rect">
-            <a:avLst/>
-          </a:prstGeom>
-          <a:solidFill>
-            <a:srgbClr val="0070C0"/>
-          </a:solidFill>
-          <a:ln w="19050">
-            <a:solidFill>
-              <a:srgbClr val="0070C0"/>
-            </a:solidFill>
-          </a:ln>
-          <a:effectLst/>
-        </p:spPr>
-        <p:style>
-          <a:lnRef idx="1">
-            <a:schemeClr val="accent2"/>
-          </a:lnRef>
-          <a:fillRef idx="2">
-            <a:schemeClr val="accent2"/>
-          </a:fillRef>
-          <a:effectRef idx="1">
-            <a:schemeClr val="accent2"/>
-          </a:effectRef>
-          <a:fontRef idx="minor">
-            <a:schemeClr val="dk1"/>
-          </a:fontRef>
-        </p:style>
-        <p:txBody>
-          <a:bodyPr rtlCol="0" anchor="ctr"/>
-          <a:lstStyle/>
-          <a:p>
-            <a:pPr algn="ctr"/>
-            <a:r>
-              <a:rPr lang="en-US" sz="1600" dirty="0" smtClean="0">
-                <a:solidFill>
-                  <a:schemeClr val="bg1"/>
-                </a:solidFill>
-              </a:rPr>
-              <a:t>:List</a:t>
-            </a:r>
-          </a:p>
-          <a:p>
-            <a:pPr algn="ctr"/>
-            <a:r>
-              <a:rPr lang="en-US" sz="1600" dirty="0" smtClean="0">
-                <a:solidFill>
-                  <a:schemeClr val="bg1"/>
-                </a:solidFill>
-              </a:rPr>
-              <a:t>Command</a:t>
-            </a:r>
-            <a:endParaRPr lang="en-SG" sz="1600" dirty="0">
-              <a:solidFill>
-                <a:schemeClr val="bg1"/>
-              </a:solidFill>
-            </a:endParaRPr>
-          </a:p>
-        </p:txBody>
-      </p:sp>
-      <p:sp>
-        <p:nvSpPr>
-          <p:cNvPr id="68" name="TextBox 67"/>
-          <p:cNvSpPr txBox="1"/>
-          <p:nvPr/>
-        </p:nvSpPr>
-        <p:spPr>
-          <a:xfrm>
-            <a:off x="6514392" y="5562600"/>
-            <a:ext cx="258404" cy="261610"/>
-          </a:xfrm>
-          <a:prstGeom prst="rect">
-            <a:avLst/>
-          </a:prstGeom>
-          <a:noFill/>
-        </p:spPr>
-        <p:txBody>
-          <a:bodyPr wrap="none" rtlCol="0">
-            <a:spAutoFit/>
-          </a:bodyPr>
-          <a:lstStyle/>
-          <a:p>
-            <a:r>
-              <a:rPr lang="en-SG" sz="1100" dirty="0">
-                <a:solidFill>
-                  <a:srgbClr val="002060"/>
-                </a:solidFill>
-              </a:rPr>
-              <a:t>X</a:t>
-            </a:r>
-          </a:p>
-        </p:txBody>
-      </p:sp>
-      <p:sp>
-        <p:nvSpPr>
-          <p:cNvPr id="76" name="Rectangle 75"/>
-          <p:cNvSpPr/>
-          <p:nvPr/>
-        </p:nvSpPr>
-        <p:spPr>
-          <a:xfrm>
-            <a:off x="7962372" y="5181600"/>
-            <a:ext cx="168896" cy="290034"/>
-          </a:xfrm>
-          <a:prstGeom prst="rect">
-            <a:avLst/>
-          </a:prstGeom>
-          <a:solidFill>
-            <a:srgbClr val="7030A0"/>
-          </a:solidFill>
-          <a:ln>
-            <a:solidFill>
-              <a:srgbClr val="7030A0"/>
-            </a:solidFill>
-          </a:ln>
-          <a:effectLst/>
-        </p:spPr>
-        <p:style>
-          <a:lnRef idx="1">
-            <a:schemeClr val="accent3"/>
-          </a:lnRef>
-          <a:fillRef idx="2">
-            <a:schemeClr val="accent3"/>
-          </a:fillRef>
-          <a:effectRef idx="1">
-            <a:schemeClr val="accent3"/>
-          </a:effectRef>
-          <a:fontRef idx="minor">
-            <a:schemeClr val="dk1"/>
-          </a:fontRef>
-        </p:style>
-        <p:txBody>
-          <a:bodyPr rtlCol="0" anchor="ctr"/>
-          <a:lstStyle/>
-          <a:p>
-            <a:pPr algn="ctr"/>
-            <a:endParaRPr lang="en-SG" sz="1400"/>
-          </a:p>
-        </p:txBody>
-      </p:sp>
-      <p:cxnSp>
-        <p:nvCxnSpPr>
-          <p:cNvPr id="77" name="Straight Arrow Connector 76"/>
-          <p:cNvCxnSpPr>
-            <a:cxnSpLocks/>
-          </p:cNvCxnSpPr>
-          <p:nvPr/>
-        </p:nvCxnSpPr>
-        <p:spPr>
-          <a:xfrm>
-            <a:off x="6736151" y="5181600"/>
-            <a:ext cx="1233656" cy="0"/>
-          </a:xfrm>
-          <a:prstGeom prst="straightConnector1">
-            <a:avLst/>
-          </a:prstGeom>
-          <a:ln w="19050">
-            <a:solidFill>
-              <a:srgbClr val="0070C0"/>
-            </a:solidFill>
-            <a:tailEnd type="arrow"/>
-          </a:ln>
-        </p:spPr>
-        <p:style>
-          <a:lnRef idx="1">
-            <a:schemeClr val="accent1"/>
-          </a:lnRef>
-          <a:fillRef idx="0">
-            <a:schemeClr val="accent1"/>
-          </a:fillRef>
-          <a:effectRef idx="0">
-            <a:schemeClr val="accent1"/>
-          </a:effectRef>
-          <a:fontRef idx="minor">
-            <a:schemeClr val="tx1"/>
-          </a:fontRef>
-        </p:style>
-      </p:cxnSp>
-      <p:cxnSp>
-        <p:nvCxnSpPr>
-          <p:cNvPr id="78" name="Straight Arrow Connector 77">
-            <a:extLst>
-              <a:ext uri="{FF2B5EF4-FFF2-40B4-BE49-F238E27FC236}">
-                <a16:creationId xmlns="" xmlns:a16="http://schemas.microsoft.com/office/drawing/2014/main" id="{7C9F21BC-13A9-471F-825A-2621FD36355F}"/>
-              </a:ext>
-            </a:extLst>
-          </p:cNvPr>
-          <p:cNvCxnSpPr>
-            <a:cxnSpLocks/>
-          </p:cNvCxnSpPr>
-          <p:nvPr/>
-        </p:nvCxnSpPr>
-        <p:spPr>
-          <a:xfrm flipV="1">
-            <a:off x="6736151" y="5453629"/>
-            <a:ext cx="1299339" cy="5055"/>
-          </a:xfrm>
-          <a:prstGeom prst="straightConnector1">
-            <a:avLst/>
-          </a:prstGeom>
-          <a:ln w="19050">
-            <a:solidFill>
-              <a:srgbClr val="7030A0"/>
-            </a:solidFill>
-            <a:prstDash val="sysDash"/>
-            <a:headEnd type="arrow" w="med" len="med"/>
-            <a:tailEnd type="none" w="med" len="med"/>
-          </a:ln>
-        </p:spPr>
-        <p:style>
-          <a:lnRef idx="1">
-            <a:schemeClr val="accent1"/>
-          </a:lnRef>
-          <a:fillRef idx="0">
-            <a:schemeClr val="accent1"/>
-          </a:fillRef>
-          <a:effectRef idx="0">
-            <a:schemeClr val="accent1"/>
-          </a:effectRef>
-          <a:fontRef idx="minor">
-            <a:schemeClr val="tx1"/>
-          </a:fontRef>
-        </p:style>
-      </p:cxnSp>
-      <p:sp>
-        <p:nvSpPr>
-          <p:cNvPr id="82" name="TextBox 81"/>
-          <p:cNvSpPr txBox="1"/>
-          <p:nvPr/>
-        </p:nvSpPr>
-        <p:spPr>
-          <a:xfrm>
-            <a:off x="6514392" y="4809441"/>
-            <a:ext cx="1298078" cy="369332"/>
-          </a:xfrm>
-          <a:prstGeom prst="rect">
-            <a:avLst/>
-          </a:prstGeom>
-          <a:noFill/>
-        </p:spPr>
-        <p:txBody>
-          <a:bodyPr wrap="square" lIns="0" tIns="0" rIns="0" bIns="0" rtlCol="0">
-            <a:spAutoFit/>
-          </a:bodyPr>
-          <a:lstStyle>
-            <a:defPPr>
-              <a:defRPr lang="en-US"/>
-            </a:defPPr>
-            <a:lvl1pPr algn="r">
-              <a:defRPr sz="1400">
-                <a:solidFill>
-                  <a:srgbClr val="0070C0"/>
-                </a:solidFill>
-              </a:defRPr>
-            </a:lvl1pPr>
-          </a:lstStyle>
-          <a:p>
-            <a:r>
               <a:rPr lang="en-US" sz="1200" dirty="0" err="1" smtClean="0">
                 <a:solidFill>
                   <a:schemeClr val="accent4">
@@ -5881,17 +5839,7 @@
                   </a:schemeClr>
                 </a:solidFill>
               </a:rPr>
-              <a:t>ge</a:t>
-            </a:r>
-            <a:r>
-              <a:rPr lang="en-US" sz="1200" dirty="0" err="1" smtClean="0">
-                <a:solidFill>
-                  <a:schemeClr val="accent4">
-                    <a:lumMod val="75000"/>
-                  </a:schemeClr>
-                </a:solidFill>
-              </a:rPr>
-              <a:t>tTaken</a:t>
+              <a:t>getTaken</a:t>
             </a:r>
             <a:endParaRPr lang="en-US" sz="1200" dirty="0" smtClean="0">
               <a:solidFill>
@@ -6051,7 +5999,7 @@
         <p:spPr>
           <a:xfrm>
             <a:off x="9685610" y="4572719"/>
-            <a:ext cx="152400" cy="140805"/>
+            <a:ext cx="149334" cy="158007"/>
           </a:xfrm>
           <a:prstGeom prst="line">
             <a:avLst/>
@@ -6084,7 +6032,7 @@
           <p:cNvPr id="100" name="Straight Arrow Connector 99">
             <a:extLst>
               <a:ext uri="{FF2B5EF4-FFF2-40B4-BE49-F238E27FC236}">
-                <a16:creationId xmlns="" xmlns:a16="http://schemas.microsoft.com/office/drawing/2014/main" id="{7C9F21BC-13A9-471F-825A-2621FD36355F}"/>
+                <a16:creationId xmlns:a16="http://schemas.microsoft.com/office/drawing/2014/main" xmlns="" id="{7C9F21BC-13A9-471F-825A-2621FD36355F}"/>
               </a:ext>
             </a:extLst>
           </p:cNvPr>
@@ -6095,7 +6043,7 @@
         </p:nvCxnSpPr>
         <p:spPr>
           <a:xfrm>
-            <a:off x="9656674" y="4713524"/>
+            <a:off x="9656674" y="4730644"/>
             <a:ext cx="178270" cy="0"/>
           </a:xfrm>
           <a:prstGeom prst="straightConnector1">

--- a/docs/diagrams/ListSequenceDiagram_2.pptx
+++ b/docs/diagrams/ListSequenceDiagram_2.pptx
@@ -109,7 +109,7 @@
   </p:defaultTextStyle>
   <p:extLst>
     <p:ext uri="{EFAFB233-063F-42B5-8137-9DF3F51BA10A}">
-      <p15:sldGuideLst xmlns:p15="http://schemas.microsoft.com/office/powerpoint/2012/main" xmlns="">
+      <p15:sldGuideLst xmlns="" xmlns:p15="http://schemas.microsoft.com/office/powerpoint/2012/main">
         <p15:guide id="1" orient="horz" pos="1488">
           <p15:clr>
             <a:srgbClr val="A4A3A4"/>
@@ -4753,7 +4753,7 @@
         </p:nvSpPr>
         <p:spPr>
           <a:xfrm>
-            <a:off x="5574767" y="3715975"/>
+            <a:off x="5568338" y="3675631"/>
             <a:ext cx="258404" cy="261610"/>
           </a:xfrm>
           <a:prstGeom prst="rect">
@@ -4850,7 +4850,7 @@
           <p:cNvPr id="66" name="Straight Arrow Connector 65">
             <a:extLst>
               <a:ext uri="{FF2B5EF4-FFF2-40B4-BE49-F238E27FC236}">
-                <a16:creationId xmlns:a16="http://schemas.microsoft.com/office/drawing/2014/main" xmlns="" id="{39916E2E-195A-4DC8-B025-B05FA87E6796}"/>
+                <a16:creationId xmlns="" xmlns:a16="http://schemas.microsoft.com/office/drawing/2014/main" id="{39916E2E-195A-4DC8-B025-B05FA87E6796}"/>
               </a:ext>
             </a:extLst>
           </p:cNvPr>
@@ -4894,7 +4894,7 @@
           <p:cNvPr id="67" name="Straight Arrow Connector 66">
             <a:extLst>
               <a:ext uri="{FF2B5EF4-FFF2-40B4-BE49-F238E27FC236}">
-                <a16:creationId xmlns:a16="http://schemas.microsoft.com/office/drawing/2014/main" xmlns="" id="{D881596E-177C-4FDC-8E60-CAB90B3D5FAB}"/>
+                <a16:creationId xmlns="" xmlns:a16="http://schemas.microsoft.com/office/drawing/2014/main" id="{D881596E-177C-4FDC-8E60-CAB90B3D5FAB}"/>
               </a:ext>
             </a:extLst>
           </p:cNvPr>
@@ -4938,7 +4938,7 @@
           <p:cNvPr id="69" name="Straight Arrow Connector 68">
             <a:extLst>
               <a:ext uri="{FF2B5EF4-FFF2-40B4-BE49-F238E27FC236}">
-                <a16:creationId xmlns:a16="http://schemas.microsoft.com/office/drawing/2014/main" xmlns="" id="{7C9F21BC-13A9-471F-825A-2621FD36355F}"/>
+                <a16:creationId xmlns="" xmlns:a16="http://schemas.microsoft.com/office/drawing/2014/main" id="{7C9F21BC-13A9-471F-825A-2621FD36355F}"/>
               </a:ext>
             </a:extLst>
           </p:cNvPr>
@@ -4984,7 +4984,7 @@
           <p:cNvPr id="89" name="Straight Connector 88">
             <a:extLst>
               <a:ext uri="{FF2B5EF4-FFF2-40B4-BE49-F238E27FC236}">
-                <a16:creationId xmlns:a16="http://schemas.microsoft.com/office/drawing/2014/main" xmlns="" id="{E4E1C8CA-49DF-45D8-80A5-D5C8282EE927}"/>
+                <a16:creationId xmlns="" xmlns:a16="http://schemas.microsoft.com/office/drawing/2014/main" id="{E4E1C8CA-49DF-45D8-80A5-D5C8282EE927}"/>
               </a:ext>
             </a:extLst>
           </p:cNvPr>
@@ -5146,7 +5146,7 @@
           <p:cNvPr id="60" name="Straight Arrow Connector 59">
             <a:extLst>
               <a:ext uri="{FF2B5EF4-FFF2-40B4-BE49-F238E27FC236}">
-                <a16:creationId xmlns:a16="http://schemas.microsoft.com/office/drawing/2014/main" xmlns="" id="{7C9F21BC-13A9-471F-825A-2621FD36355F}"/>
+                <a16:creationId xmlns="" xmlns:a16="http://schemas.microsoft.com/office/drawing/2014/main" id="{7C9F21BC-13A9-471F-825A-2621FD36355F}"/>
               </a:ext>
             </a:extLst>
           </p:cNvPr>
@@ -5192,7 +5192,7 @@
           <p:cNvPr id="63" name="Straight Arrow Connector 62">
             <a:extLst>
               <a:ext uri="{FF2B5EF4-FFF2-40B4-BE49-F238E27FC236}">
-                <a16:creationId xmlns:a16="http://schemas.microsoft.com/office/drawing/2014/main" xmlns="" id="{7C9F21BC-13A9-471F-825A-2621FD36355F}"/>
+                <a16:creationId xmlns="" xmlns:a16="http://schemas.microsoft.com/office/drawing/2014/main" id="{7C9F21BC-13A9-471F-825A-2621FD36355F}"/>
               </a:ext>
             </a:extLst>
           </p:cNvPr>
@@ -5445,7 +5445,7 @@
           <p:cNvPr id="59" name="Straight Arrow Connector 58">
             <a:extLst>
               <a:ext uri="{FF2B5EF4-FFF2-40B4-BE49-F238E27FC236}">
-                <a16:creationId xmlns:a16="http://schemas.microsoft.com/office/drawing/2014/main" xmlns="" id="{D881596E-177C-4FDC-8E60-CAB90B3D5FAB}"/>
+                <a16:creationId xmlns="" xmlns:a16="http://schemas.microsoft.com/office/drawing/2014/main" id="{D881596E-177C-4FDC-8E60-CAB90B3D5FAB}"/>
               </a:ext>
             </a:extLst>
           </p:cNvPr>
@@ -5757,7 +5757,7 @@
           <p:cNvPr id="78" name="Straight Arrow Connector 77">
             <a:extLst>
               <a:ext uri="{FF2B5EF4-FFF2-40B4-BE49-F238E27FC236}">
-                <a16:creationId xmlns:a16="http://schemas.microsoft.com/office/drawing/2014/main" xmlns="" id="{7C9F21BC-13A9-471F-825A-2621FD36355F}"/>
+                <a16:creationId xmlns="" xmlns:a16="http://schemas.microsoft.com/office/drawing/2014/main" id="{7C9F21BC-13A9-471F-825A-2621FD36355F}"/>
               </a:ext>
             </a:extLst>
           </p:cNvPr>
@@ -6032,7 +6032,7 @@
           <p:cNvPr id="100" name="Straight Arrow Connector 99">
             <a:extLst>
               <a:ext uri="{FF2B5EF4-FFF2-40B4-BE49-F238E27FC236}">
-                <a16:creationId xmlns:a16="http://schemas.microsoft.com/office/drawing/2014/main" xmlns="" id="{7C9F21BC-13A9-471F-825A-2621FD36355F}"/>
+                <a16:creationId xmlns="" xmlns:a16="http://schemas.microsoft.com/office/drawing/2014/main" id="{7C9F21BC-13A9-471F-825A-2621FD36355F}"/>
               </a:ext>
             </a:extLst>
           </p:cNvPr>
